--- a/docs/MIECO_Schober.pptx
+++ b/docs/MIECO_Schober.pptx
@@ -5,7 +5,7 @@
     <p:sldMasterId id="2147483659" r:id="rId1"/>
   </p:sldMasterIdLst>
   <p:notesMasterIdLst>
-    <p:notesMasterId r:id="rId21"/>
+    <p:notesMasterId r:id="rId22"/>
   </p:notesMasterIdLst>
   <p:sldIdLst>
     <p:sldId id="256" r:id="rId2"/>
@@ -19,29 +19,30 @@
     <p:sldId id="286" r:id="rId10"/>
     <p:sldId id="285" r:id="rId11"/>
     <p:sldId id="284" r:id="rId12"/>
-    <p:sldId id="288" r:id="rId13"/>
-    <p:sldId id="269" r:id="rId14"/>
-    <p:sldId id="274" r:id="rId15"/>
-    <p:sldId id="287" r:id="rId16"/>
-    <p:sldId id="283" r:id="rId17"/>
-    <p:sldId id="281" r:id="rId18"/>
-    <p:sldId id="276" r:id="rId19"/>
-    <p:sldId id="278" r:id="rId20"/>
+    <p:sldId id="293" r:id="rId13"/>
+    <p:sldId id="288" r:id="rId14"/>
+    <p:sldId id="269" r:id="rId15"/>
+    <p:sldId id="274" r:id="rId16"/>
+    <p:sldId id="287" r:id="rId17"/>
+    <p:sldId id="283" r:id="rId18"/>
+    <p:sldId id="281" r:id="rId19"/>
+    <p:sldId id="276" r:id="rId20"/>
+    <p:sldId id="278" r:id="rId21"/>
   </p:sldIdLst>
   <p:sldSz cx="9144000" cy="6858000" type="screen4x3"/>
   <p:notesSz cx="6858000" cy="9144000"/>
   <p:embeddedFontLst>
     <p:embeddedFont>
       <p:font typeface="Montserrat" panose="020B0604020202020204" charset="0"/>
-      <p:regular r:id="rId22"/>
-      <p:bold r:id="rId23"/>
+      <p:regular r:id="rId23"/>
+      <p:bold r:id="rId24"/>
     </p:embeddedFont>
     <p:embeddedFont>
       <p:font typeface="Calibri" panose="020F0502020204030204" pitchFamily="34" charset="0"/>
-      <p:regular r:id="rId24"/>
-      <p:bold r:id="rId25"/>
-      <p:italic r:id="rId26"/>
-      <p:boldItalic r:id="rId27"/>
+      <p:regular r:id="rId25"/>
+      <p:bold r:id="rId26"/>
+      <p:italic r:id="rId27"/>
+      <p:boldItalic r:id="rId28"/>
     </p:embeddedFont>
   </p:embeddedFontLst>
   <p:defaultTextStyle>
@@ -246,6 +247,11 @@
       </a:defRPr>
     </a:lvl9pPr>
   </p:defaultTextStyle>
+  <p:extLst>
+    <p:ext uri="{EFAFB233-063F-42B5-8137-9DF3F51BA10A}">
+      <p15:sldGuideLst xmlns:p15="http://schemas.microsoft.com/office/powerpoint/2012/main"/>
+    </p:ext>
+  </p:extLst>
 </p:presentation>
 </file>
 
@@ -1437,7 +1443,7 @@
             </a:pPr>
             <a:fld id="{00000000-1234-1234-1234-123412341234}" type="slidenum">
               <a:rPr lang="en-US"/>
-              <a:t>13</a:t>
+              <a:t>14</a:t>
             </a:fld>
             <a:endParaRPr lang="en-US"/>
           </a:p>
@@ -1587,7 +1593,7 @@
             </a:pPr>
             <a:fld id="{00000000-1234-1234-1234-123412341234}" type="slidenum">
               <a:rPr lang="en-US"/>
-              <a:t>14</a:t>
+              <a:t>15</a:t>
             </a:fld>
             <a:endParaRPr lang="en-US"/>
           </a:p>
@@ -1737,7 +1743,7 @@
             </a:pPr>
             <a:fld id="{00000000-1234-1234-1234-123412341234}" type="slidenum">
               <a:rPr lang="en-US"/>
-              <a:t>18</a:t>
+              <a:t>19</a:t>
             </a:fld>
             <a:endParaRPr lang="en-US"/>
           </a:p>
@@ -1887,7 +1893,7 @@
             </a:pPr>
             <a:fld id="{00000000-1234-1234-1234-123412341234}" type="slidenum">
               <a:rPr lang="en-US"/>
-              <a:t>19</a:t>
+              <a:t>20</a:t>
             </a:fld>
             <a:endParaRPr lang="en-US"/>
           </a:p>
@@ -11934,12 +11940,12 @@
           <a:lstStyle/>
           <a:p>
             <a:r>
+              <a:rPr lang="de-DE" dirty="0" smtClean="0"/>
+              <a:t>Import &amp; X-</a:t>
+            </a:r>
+            <a:r>
               <a:rPr lang="de-DE" dirty="0" err="1" smtClean="0"/>
-              <a:t>Existing</a:t>
-            </a:r>
-            <a:r>
-              <a:rPr lang="de-DE" dirty="0" smtClean="0"/>
-              <a:t> Standards</a:t>
+              <a:t>Refs</a:t>
             </a:r>
             <a:endParaRPr lang="en-US" dirty="0"/>
           </a:p>
@@ -11961,6 +11967,107 @@
           <a:lstStyle/>
           <a:p>
             <a:r>
+              <a:rPr lang="de-DE" dirty="0" smtClean="0"/>
+              <a:t>Multiple Options</a:t>
+            </a:r>
+          </a:p>
+          <a:p>
+            <a:pPr lvl="1"/>
+            <a:r>
+              <a:rPr lang="de-DE" dirty="0" smtClean="0"/>
+              <a:t>MIREOT</a:t>
+            </a:r>
+          </a:p>
+          <a:p>
+            <a:pPr lvl="1"/>
+            <a:r>
+              <a:rPr lang="de-DE" dirty="0" err="1" smtClean="0"/>
+              <a:t>Owl:import</a:t>
+            </a:r>
+            <a:endParaRPr lang="de-DE" dirty="0" smtClean="0"/>
+          </a:p>
+          <a:p>
+            <a:pPr lvl="1"/>
+            <a:r>
+              <a:rPr lang="en-US" dirty="0"/>
+              <a:t>http://labs.mondeca.com/protolov/</a:t>
+            </a:r>
+          </a:p>
+        </p:txBody>
+      </p:sp>
+    </p:spTree>
+    <p:extLst>
+      <p:ext uri="{BB962C8B-B14F-4D97-AF65-F5344CB8AC3E}">
+        <p14:creationId xmlns:p14="http://schemas.microsoft.com/office/powerpoint/2010/main" val="447709044"/>
+      </p:ext>
+    </p:extLst>
+  </p:cSld>
+  <p:clrMapOvr>
+    <a:masterClrMapping/>
+  </p:clrMapOvr>
+</p:sld>
+</file>
+
+<file path=ppt/slides/slide13.xml><?xml version="1.0" encoding="utf-8"?>
+<p:sld xmlns:a="http://schemas.openxmlformats.org/drawingml/2006/main" xmlns:r="http://schemas.openxmlformats.org/officeDocument/2006/relationships" xmlns:p="http://schemas.openxmlformats.org/presentationml/2006/main">
+  <p:cSld>
+    <p:spTree>
+      <p:nvGrpSpPr>
+        <p:cNvPr id="1" name=""/>
+        <p:cNvGrpSpPr/>
+        <p:nvPr/>
+      </p:nvGrpSpPr>
+      <p:grpSpPr>
+        <a:xfrm>
+          <a:off x="0" y="0"/>
+          <a:ext cx="0" cy="0"/>
+          <a:chOff x="0" y="0"/>
+          <a:chExt cx="0" cy="0"/>
+        </a:xfrm>
+      </p:grpSpPr>
+      <p:sp>
+        <p:nvSpPr>
+          <p:cNvPr id="2" name="Titel 1"/>
+          <p:cNvSpPr>
+            <a:spLocks noGrp="1"/>
+          </p:cNvSpPr>
+          <p:nvPr>
+            <p:ph type="title"/>
+          </p:nvPr>
+        </p:nvSpPr>
+        <p:spPr/>
+        <p:txBody>
+          <a:bodyPr/>
+          <a:lstStyle/>
+          <a:p>
+            <a:r>
+              <a:rPr lang="de-DE" dirty="0" err="1" smtClean="0"/>
+              <a:t>Existing</a:t>
+            </a:r>
+            <a:r>
+              <a:rPr lang="de-DE" dirty="0" smtClean="0"/>
+              <a:t> Standards</a:t>
+            </a:r>
+            <a:endParaRPr lang="en-US" dirty="0"/>
+          </a:p>
+        </p:txBody>
+      </p:sp>
+      <p:sp>
+        <p:nvSpPr>
+          <p:cNvPr id="3" name="Textplatzhalter 2"/>
+          <p:cNvSpPr>
+            <a:spLocks noGrp="1"/>
+          </p:cNvSpPr>
+          <p:nvPr>
+            <p:ph type="body" idx="1"/>
+          </p:nvPr>
+        </p:nvSpPr>
+        <p:spPr/>
+        <p:txBody>
+          <a:bodyPr/>
+          <a:lstStyle/>
+          <a:p>
+            <a:r>
               <a:rPr lang="en-US" dirty="0"/>
               <a:t>EU </a:t>
             </a:r>
@@ -12036,7 +12143,7 @@
 </p:sld>
 </file>
 
-<file path=ppt/slides/slide13.xml><?xml version="1.0" encoding="utf-8"?>
+<file path=ppt/slides/slide14.xml><?xml version="1.0" encoding="utf-8"?>
 <p:sld xmlns:a="http://schemas.openxmlformats.org/drawingml/2006/main" xmlns:r="http://schemas.openxmlformats.org/officeDocument/2006/relationships" xmlns:p="http://schemas.openxmlformats.org/presentationml/2006/main" show="0">
   <p:cSld>
     <p:spTree>
@@ -12728,7 +12835,7 @@
 </p:sld>
 </file>
 
-<file path=ppt/slides/slide14.xml><?xml version="1.0" encoding="utf-8"?>
+<file path=ppt/slides/slide15.xml><?xml version="1.0" encoding="utf-8"?>
 <p:sld xmlns:a="http://schemas.openxmlformats.org/drawingml/2006/main" xmlns:r="http://schemas.openxmlformats.org/officeDocument/2006/relationships" xmlns:p="http://schemas.openxmlformats.org/presentationml/2006/main">
   <p:cSld>
     <p:spTree>
@@ -12910,131 +13017,6 @@
 </p:sld>
 </file>
 
-<file path=ppt/slides/slide15.xml><?xml version="1.0" encoding="utf-8"?>
-<p:sld xmlns:a="http://schemas.openxmlformats.org/drawingml/2006/main" xmlns:r="http://schemas.openxmlformats.org/officeDocument/2006/relationships" xmlns:p="http://schemas.openxmlformats.org/presentationml/2006/main">
-  <p:cSld>
-    <p:spTree>
-      <p:nvGrpSpPr>
-        <p:cNvPr id="1" name=""/>
-        <p:cNvGrpSpPr/>
-        <p:nvPr/>
-      </p:nvGrpSpPr>
-      <p:grpSpPr>
-        <a:xfrm>
-          <a:off x="0" y="0"/>
-          <a:ext cx="0" cy="0"/>
-          <a:chOff x="0" y="0"/>
-          <a:chExt cx="0" cy="0"/>
-        </a:xfrm>
-      </p:grpSpPr>
-      <p:sp>
-        <p:nvSpPr>
-          <p:cNvPr id="2" name="Titel 1"/>
-          <p:cNvSpPr>
-            <a:spLocks noGrp="1"/>
-          </p:cNvSpPr>
-          <p:nvPr>
-            <p:ph type="title"/>
-          </p:nvPr>
-        </p:nvSpPr>
-        <p:spPr/>
-        <p:txBody>
-          <a:bodyPr/>
-          <a:lstStyle/>
-          <a:p>
-            <a:endParaRPr lang="en-US"/>
-          </a:p>
-        </p:txBody>
-      </p:sp>
-      <p:sp>
-        <p:nvSpPr>
-          <p:cNvPr id="3" name="Textplatzhalter 2"/>
-          <p:cNvSpPr>
-            <a:spLocks noGrp="1"/>
-          </p:cNvSpPr>
-          <p:nvPr>
-            <p:ph type="body" idx="1"/>
-          </p:nvPr>
-        </p:nvSpPr>
-        <p:spPr/>
-        <p:txBody>
-          <a:bodyPr/>
-          <a:lstStyle/>
-          <a:p>
-            <a:r>
-              <a:rPr lang="de-DE" dirty="0" smtClean="0"/>
-              <a:t>Autogenerate </a:t>
-            </a:r>
-            <a:r>
-              <a:rPr lang="de-DE" dirty="0" err="1" smtClean="0"/>
-              <a:t>Evidence</a:t>
-            </a:r>
-            <a:r>
-              <a:rPr lang="de-DE" dirty="0" smtClean="0"/>
-              <a:t> Codes </a:t>
-            </a:r>
-            <a:r>
-              <a:rPr lang="de-DE" dirty="0" err="1" smtClean="0"/>
-              <a:t>from</a:t>
-            </a:r>
-            <a:r>
-              <a:rPr lang="de-DE" dirty="0" smtClean="0"/>
-              <a:t> </a:t>
-            </a:r>
-            <a:r>
-              <a:rPr lang="de-DE" dirty="0" err="1" smtClean="0"/>
-              <a:t>standardized</a:t>
-            </a:r>
-            <a:r>
-              <a:rPr lang="de-DE" dirty="0" smtClean="0"/>
-              <a:t> </a:t>
-            </a:r>
-            <a:r>
-              <a:rPr lang="de-DE" dirty="0" err="1" smtClean="0"/>
-              <a:t>data</a:t>
-            </a:r>
-            <a:r>
-              <a:rPr lang="de-DE" dirty="0" smtClean="0"/>
-              <a:t> ?</a:t>
-            </a:r>
-          </a:p>
-          <a:p>
-            <a:pPr lvl="1"/>
-            <a:r>
-              <a:rPr lang="en-US" dirty="0" smtClean="0"/>
-              <a:t>Text mining to derive ECOs from paper methods sec</a:t>
-            </a:r>
-          </a:p>
-          <a:p>
-            <a:pPr lvl="2"/>
-            <a:r>
-              <a:rPr lang="en-US" dirty="0" smtClean="0"/>
-              <a:t> </a:t>
-            </a:r>
-            <a:r>
-              <a:rPr lang="en-US" dirty="0"/>
-              <a:t>or ideally formal future workflow specifications</a:t>
-            </a:r>
-          </a:p>
-          <a:p>
-            <a:pPr lvl="1"/>
-            <a:endParaRPr lang="en-US" dirty="0"/>
-          </a:p>
-        </p:txBody>
-      </p:sp>
-    </p:spTree>
-    <p:extLst>
-      <p:ext uri="{BB962C8B-B14F-4D97-AF65-F5344CB8AC3E}">
-        <p14:creationId xmlns:p14="http://schemas.microsoft.com/office/powerpoint/2010/main" val="1636113543"/>
-      </p:ext>
-    </p:extLst>
-  </p:cSld>
-  <p:clrMapOvr>
-    <a:masterClrMapping/>
-  </p:clrMapOvr>
-</p:sld>
-</file>
-
 <file path=ppt/slides/slide16.xml><?xml version="1.0" encoding="utf-8"?>
 <p:sld xmlns:a="http://schemas.openxmlformats.org/drawingml/2006/main" xmlns:r="http://schemas.openxmlformats.org/officeDocument/2006/relationships" xmlns:p="http://schemas.openxmlformats.org/presentationml/2006/main">
   <p:cSld>
@@ -13067,11 +13049,7 @@
           <a:bodyPr/>
           <a:lstStyle/>
           <a:p>
-            <a:r>
-              <a:rPr lang="de-DE" dirty="0" smtClean="0"/>
-              <a:t>Resources</a:t>
-            </a:r>
-            <a:endParaRPr lang="en-US" dirty="0"/>
+            <a:endParaRPr lang="en-US"/>
           </a:p>
         </p:txBody>
       </p:sp>
@@ -13091,58 +13069,169 @@
           <a:lstStyle/>
           <a:p>
             <a:r>
-              <a:rPr lang="de-DE" dirty="0" err="1"/>
-              <a:t>Git</a:t>
-            </a:r>
-            <a:endParaRPr lang="de-DE" dirty="0"/>
+              <a:rPr lang="de-DE" dirty="0" smtClean="0"/>
+              <a:t>Autogenerate </a:t>
+            </a:r>
+            <a:r>
+              <a:rPr lang="de-DE" dirty="0" err="1" smtClean="0"/>
+              <a:t>Evidence</a:t>
+            </a:r>
+            <a:r>
+              <a:rPr lang="de-DE" dirty="0" smtClean="0"/>
+              <a:t> Codes </a:t>
+            </a:r>
+            <a:r>
+              <a:rPr lang="de-DE" dirty="0" err="1" smtClean="0"/>
+              <a:t>from</a:t>
+            </a:r>
+            <a:r>
+              <a:rPr lang="de-DE" dirty="0" smtClean="0"/>
+              <a:t> </a:t>
+            </a:r>
+            <a:r>
+              <a:rPr lang="de-DE" dirty="0" err="1" smtClean="0"/>
+              <a:t>standardized</a:t>
+            </a:r>
+            <a:r>
+              <a:rPr lang="de-DE" dirty="0" smtClean="0"/>
+              <a:t> </a:t>
+            </a:r>
+            <a:r>
+              <a:rPr lang="de-DE" dirty="0" err="1" smtClean="0"/>
+              <a:t>data</a:t>
+            </a:r>
+            <a:r>
+              <a:rPr lang="de-DE" dirty="0" smtClean="0"/>
+              <a:t> ?</a:t>
+            </a:r>
           </a:p>
           <a:p>
             <a:pPr lvl="1"/>
             <a:r>
-              <a:rPr lang="en-US" u="sng" dirty="0" smtClean="0">
-                <a:hlinkClick r:id="rId2"/>
-              </a:rPr>
-              <a:t>https</a:t>
-            </a:r>
-            <a:r>
-              <a:rPr lang="en-US" u="sng" dirty="0">
-                <a:hlinkClick r:id="rId2"/>
-              </a:rPr>
-              <a:t>://github.com/DSchober/MIECO</a:t>
-            </a:r>
-            <a:r>
-              <a:rPr lang="en-US" dirty="0"/>
-              <a:t> </a:t>
-            </a:r>
-            <a:endParaRPr lang="en-US" dirty="0" smtClean="0"/>
-          </a:p>
-          <a:p>
-            <a:r>
-              <a:rPr lang="de-DE" dirty="0" err="1" smtClean="0"/>
-              <a:t>Gdoc</a:t>
-            </a:r>
-            <a:endParaRPr lang="de-DE" dirty="0" smtClean="0"/>
-          </a:p>
-          <a:p>
-            <a:pPr lvl="1"/>
-            <a:r>
-              <a:rPr lang="en-US" dirty="0">
-                <a:hlinkClick r:id="rId3"/>
-              </a:rPr>
-              <a:t>https://docs.google.com/document/d/1JHw7FntqtntZV0qoWsFmcOLcHlM2wv4jt4-ccLUgZNU/edit</a:t>
-            </a:r>
-            <a:r>
-              <a:rPr lang="en-US" dirty="0" smtClean="0">
-                <a:hlinkClick r:id="rId3"/>
-              </a:rPr>
-              <a:t>#</a:t>
-            </a:r>
+              <a:rPr lang="en-US" dirty="0" smtClean="0"/>
+              <a:t>Text mining to derive ECOs from paper methods sec</a:t>
+            </a:r>
+          </a:p>
+          <a:p>
+            <a:pPr lvl="2"/>
             <a:r>
               <a:rPr lang="en-US" dirty="0" smtClean="0"/>
               <a:t> </a:t>
             </a:r>
-          </a:p>
-          <a:p>
+            <a:r>
+              <a:rPr lang="en-US" dirty="0"/>
+              <a:t>or ideally formal future workflow </a:t>
+            </a:r>
+            <a:r>
+              <a:rPr lang="en-US" dirty="0" smtClean="0"/>
+              <a:t>specifications</a:t>
+            </a:r>
+          </a:p>
+          <a:p>
+            <a:r>
+              <a:rPr lang="de-DE" dirty="0" smtClean="0"/>
+              <a:t>Transition </a:t>
+            </a:r>
+            <a:r>
+              <a:rPr lang="de-DE" dirty="0" err="1" smtClean="0"/>
+              <a:t>into</a:t>
+            </a:r>
+            <a:r>
+              <a:rPr lang="de-DE" dirty="0" smtClean="0"/>
+              <a:t> Quantitative </a:t>
+            </a:r>
+            <a:r>
+              <a:rPr lang="de-DE" dirty="0" err="1" smtClean="0"/>
+              <a:t>background</a:t>
+            </a:r>
+            <a:r>
+              <a:rPr lang="de-DE" dirty="0" smtClean="0"/>
+              <a:t> </a:t>
+            </a:r>
+            <a:r>
+              <a:rPr lang="de-DE" dirty="0" err="1" smtClean="0"/>
+              <a:t>model</a:t>
+            </a:r>
+            <a:r>
+              <a:rPr lang="de-DE" dirty="0" smtClean="0"/>
+              <a:t> </a:t>
+            </a:r>
+            <a:r>
+              <a:rPr lang="de-DE" dirty="0" err="1" smtClean="0"/>
+              <a:t>for</a:t>
+            </a:r>
+            <a:r>
+              <a:rPr lang="de-DE" dirty="0" smtClean="0"/>
+              <a:t> </a:t>
+            </a:r>
+            <a:r>
+              <a:rPr lang="de-DE" dirty="0" err="1" smtClean="0"/>
+              <a:t>numeric</a:t>
+            </a:r>
+            <a:r>
+              <a:rPr lang="de-DE" dirty="0" smtClean="0"/>
+              <a:t> </a:t>
+            </a:r>
+            <a:r>
+              <a:rPr lang="de-DE" dirty="0" err="1" smtClean="0"/>
+              <a:t>evaluation</a:t>
+            </a:r>
+            <a:endParaRPr lang="de-DE" dirty="0" smtClean="0"/>
+          </a:p>
+          <a:p>
+            <a:pPr lvl="1"/>
+            <a:r>
+              <a:rPr lang="de-DE" dirty="0" smtClean="0"/>
+              <a:t>i.e. </a:t>
+            </a:r>
+            <a:r>
+              <a:rPr lang="de-DE" dirty="0" err="1" smtClean="0"/>
+              <a:t>setting</a:t>
+            </a:r>
+            <a:r>
+              <a:rPr lang="de-DE" dirty="0" smtClean="0"/>
+              <a:t> </a:t>
+            </a:r>
+            <a:r>
+              <a:rPr lang="de-DE" dirty="0" err="1" smtClean="0"/>
+              <a:t>evidence</a:t>
+            </a:r>
+            <a:r>
+              <a:rPr lang="de-DE" dirty="0" smtClean="0"/>
+              <a:t> </a:t>
+            </a:r>
+            <a:r>
+              <a:rPr lang="de-DE" dirty="0" err="1" smtClean="0"/>
+              <a:t>thresholds</a:t>
+            </a:r>
+            <a:r>
+              <a:rPr lang="de-DE" dirty="0" smtClean="0"/>
+              <a:t> </a:t>
+            </a:r>
+            <a:r>
+              <a:rPr lang="de-DE" dirty="0" err="1" smtClean="0"/>
+              <a:t>for</a:t>
+            </a:r>
+            <a:r>
+              <a:rPr lang="de-DE" dirty="0" smtClean="0"/>
+              <a:t> </a:t>
+            </a:r>
+            <a:r>
+              <a:rPr lang="de-DE" dirty="0" err="1" smtClean="0"/>
+              <a:t>quality</a:t>
+            </a:r>
+            <a:r>
+              <a:rPr lang="de-DE" dirty="0" smtClean="0"/>
+              <a:t> </a:t>
+            </a:r>
+            <a:r>
+              <a:rPr lang="de-DE" dirty="0" err="1" smtClean="0"/>
+              <a:t>analysis</a:t>
+            </a:r>
+            <a:endParaRPr lang="en-US" dirty="0"/>
+          </a:p>
+          <a:p>
+            <a:pPr lvl="1"/>
             <a:endParaRPr lang="en-US" dirty="0"/>
           </a:p>
         </p:txBody>
@@ -13150,7 +13239,7 @@
     </p:spTree>
     <p:extLst>
       <p:ext uri="{BB962C8B-B14F-4D97-AF65-F5344CB8AC3E}">
-        <p14:creationId xmlns:p14="http://schemas.microsoft.com/office/powerpoint/2010/main" val="3140934310"/>
+        <p14:creationId xmlns:p14="http://schemas.microsoft.com/office/powerpoint/2010/main" val="1636113543"/>
       </p:ext>
     </p:extLst>
   </p:cSld>
@@ -13193,6 +13282,131 @@
           <a:lstStyle/>
           <a:p>
             <a:r>
+              <a:rPr lang="de-DE" dirty="0" smtClean="0"/>
+              <a:t>Resources</a:t>
+            </a:r>
+            <a:endParaRPr lang="en-US" dirty="0"/>
+          </a:p>
+        </p:txBody>
+      </p:sp>
+      <p:sp>
+        <p:nvSpPr>
+          <p:cNvPr id="3" name="Textplatzhalter 2"/>
+          <p:cNvSpPr>
+            <a:spLocks noGrp="1"/>
+          </p:cNvSpPr>
+          <p:nvPr>
+            <p:ph type="body" idx="1"/>
+          </p:nvPr>
+        </p:nvSpPr>
+        <p:spPr/>
+        <p:txBody>
+          <a:bodyPr/>
+          <a:lstStyle/>
+          <a:p>
+            <a:r>
+              <a:rPr lang="de-DE" dirty="0" err="1"/>
+              <a:t>Git</a:t>
+            </a:r>
+            <a:endParaRPr lang="de-DE" dirty="0"/>
+          </a:p>
+          <a:p>
+            <a:pPr lvl="1"/>
+            <a:r>
+              <a:rPr lang="en-US" u="sng" dirty="0" smtClean="0">
+                <a:hlinkClick r:id="rId2"/>
+              </a:rPr>
+              <a:t>https</a:t>
+            </a:r>
+            <a:r>
+              <a:rPr lang="en-US" u="sng" dirty="0">
+                <a:hlinkClick r:id="rId2"/>
+              </a:rPr>
+              <a:t>://github.com/DSchober/MIECO</a:t>
+            </a:r>
+            <a:r>
+              <a:rPr lang="en-US" dirty="0"/>
+              <a:t> </a:t>
+            </a:r>
+            <a:endParaRPr lang="en-US" dirty="0" smtClean="0"/>
+          </a:p>
+          <a:p>
+            <a:r>
+              <a:rPr lang="de-DE" dirty="0" err="1" smtClean="0"/>
+              <a:t>Gdoc</a:t>
+            </a:r>
+            <a:endParaRPr lang="de-DE" dirty="0" smtClean="0"/>
+          </a:p>
+          <a:p>
+            <a:pPr lvl="1"/>
+            <a:r>
+              <a:rPr lang="en-US" dirty="0">
+                <a:hlinkClick r:id="rId3"/>
+              </a:rPr>
+              <a:t>https://docs.google.com/document/d/1JHw7FntqtntZV0qoWsFmcOLcHlM2wv4jt4-ccLUgZNU/edit</a:t>
+            </a:r>
+            <a:r>
+              <a:rPr lang="en-US" dirty="0" smtClean="0">
+                <a:hlinkClick r:id="rId3"/>
+              </a:rPr>
+              <a:t>#</a:t>
+            </a:r>
+            <a:r>
+              <a:rPr lang="en-US" dirty="0" smtClean="0"/>
+              <a:t> </a:t>
+            </a:r>
+          </a:p>
+          <a:p>
+            <a:endParaRPr lang="en-US" dirty="0"/>
+          </a:p>
+        </p:txBody>
+      </p:sp>
+    </p:spTree>
+    <p:extLst>
+      <p:ext uri="{BB962C8B-B14F-4D97-AF65-F5344CB8AC3E}">
+        <p14:creationId xmlns:p14="http://schemas.microsoft.com/office/powerpoint/2010/main" val="3140934310"/>
+      </p:ext>
+    </p:extLst>
+  </p:cSld>
+  <p:clrMapOvr>
+    <a:masterClrMapping/>
+  </p:clrMapOvr>
+</p:sld>
+</file>
+
+<file path=ppt/slides/slide18.xml><?xml version="1.0" encoding="utf-8"?>
+<p:sld xmlns:a="http://schemas.openxmlformats.org/drawingml/2006/main" xmlns:r="http://schemas.openxmlformats.org/officeDocument/2006/relationships" xmlns:p="http://schemas.openxmlformats.org/presentationml/2006/main">
+  <p:cSld>
+    <p:spTree>
+      <p:nvGrpSpPr>
+        <p:cNvPr id="1" name=""/>
+        <p:cNvGrpSpPr/>
+        <p:nvPr/>
+      </p:nvGrpSpPr>
+      <p:grpSpPr>
+        <a:xfrm>
+          <a:off x="0" y="0"/>
+          <a:ext cx="0" cy="0"/>
+          <a:chOff x="0" y="0"/>
+          <a:chExt cx="0" cy="0"/>
+        </a:xfrm>
+      </p:grpSpPr>
+      <p:sp>
+        <p:nvSpPr>
+          <p:cNvPr id="2" name="Titel 1"/>
+          <p:cNvSpPr>
+            <a:spLocks noGrp="1"/>
+          </p:cNvSpPr>
+          <p:nvPr>
+            <p:ph type="title"/>
+          </p:nvPr>
+        </p:nvSpPr>
+        <p:spPr/>
+        <p:txBody>
+          <a:bodyPr/>
+          <a:lstStyle/>
+          <a:p>
+            <a:r>
               <a:rPr lang="de-DE" dirty="0" err="1" smtClean="0"/>
               <a:t>Acknowledgements</a:t>
             </a:r>
@@ -13277,7 +13491,7 @@
 </p:sld>
 </file>
 
-<file path=ppt/slides/slide18.xml><?xml version="1.0" encoding="utf-8"?>
+<file path=ppt/slides/slide19.xml><?xml version="1.0" encoding="utf-8"?>
 <p:sld xmlns:a="http://schemas.openxmlformats.org/drawingml/2006/main" xmlns:r="http://schemas.openxmlformats.org/officeDocument/2006/relationships" xmlns:p="http://schemas.openxmlformats.org/presentationml/2006/main">
   <p:cSld>
     <p:spTree>
@@ -13391,7 +13605,326 @@
 </p:sld>
 </file>
 
-<file path=ppt/slides/slide19.xml><?xml version="1.0" encoding="utf-8"?>
+<file path=ppt/slides/slide2.xml><?xml version="1.0" encoding="utf-8"?>
+<p:sld xmlns:a="http://schemas.openxmlformats.org/drawingml/2006/main" xmlns:r="http://schemas.openxmlformats.org/officeDocument/2006/relationships" xmlns:p="http://schemas.openxmlformats.org/presentationml/2006/main">
+  <p:cSld>
+    <p:spTree>
+      <p:nvGrpSpPr>
+        <p:cNvPr id="1" name=""/>
+        <p:cNvGrpSpPr/>
+        <p:nvPr/>
+      </p:nvGrpSpPr>
+      <p:grpSpPr>
+        <a:xfrm>
+          <a:off x="0" y="0"/>
+          <a:ext cx="0" cy="0"/>
+          <a:chOff x="0" y="0"/>
+          <a:chExt cx="0" cy="0"/>
+        </a:xfrm>
+      </p:grpSpPr>
+      <p:sp>
+        <p:nvSpPr>
+          <p:cNvPr id="2" name="Titel 1"/>
+          <p:cNvSpPr>
+            <a:spLocks noGrp="1"/>
+          </p:cNvSpPr>
+          <p:nvPr>
+            <p:ph type="title"/>
+          </p:nvPr>
+        </p:nvSpPr>
+        <p:spPr/>
+        <p:txBody>
+          <a:bodyPr/>
+          <a:lstStyle/>
+          <a:p>
+            <a:r>
+              <a:rPr lang="de-DE" dirty="0"/>
+              <a:t>C</a:t>
+            </a:r>
+            <a:r>
+              <a:rPr lang="de-DE" dirty="0" smtClean="0"/>
+              <a:t>ontents</a:t>
+            </a:r>
+            <a:endParaRPr lang="en-US" dirty="0"/>
+          </a:p>
+        </p:txBody>
+      </p:sp>
+      <p:sp>
+        <p:nvSpPr>
+          <p:cNvPr id="3" name="Textplatzhalter 2"/>
+          <p:cNvSpPr>
+            <a:spLocks noGrp="1"/>
+          </p:cNvSpPr>
+          <p:nvPr>
+            <p:ph type="body" idx="1"/>
+          </p:nvPr>
+        </p:nvSpPr>
+        <p:spPr/>
+        <p:txBody>
+          <a:bodyPr/>
+          <a:lstStyle/>
+          <a:p>
+            <a:r>
+              <a:rPr lang="de-DE" sz="2400" dirty="0" smtClean="0"/>
+              <a:t>Project </a:t>
+            </a:r>
+            <a:r>
+              <a:rPr lang="de-DE" sz="2400" dirty="0" err="1" smtClean="0"/>
+              <a:t>setting</a:t>
+            </a:r>
+            <a:endParaRPr lang="de-DE" sz="2400" dirty="0" smtClean="0"/>
+          </a:p>
+          <a:p>
+            <a:r>
+              <a:rPr lang="de-DE" sz="2400" dirty="0" err="1" smtClean="0"/>
+              <a:t>Metabolite</a:t>
+            </a:r>
+            <a:r>
+              <a:rPr lang="de-DE" sz="2400" dirty="0" smtClean="0"/>
+              <a:t> </a:t>
+            </a:r>
+            <a:r>
+              <a:rPr lang="de-DE" sz="2400" dirty="0" err="1" smtClean="0"/>
+              <a:t>Identification</a:t>
+            </a:r>
+            <a:r>
+              <a:rPr lang="de-DE" sz="2400" dirty="0" smtClean="0"/>
+              <a:t> </a:t>
+            </a:r>
+            <a:r>
+              <a:rPr lang="de-DE" sz="2400" dirty="0" err="1" smtClean="0"/>
+              <a:t>Schemes</a:t>
+            </a:r>
+            <a:endParaRPr lang="de-DE" sz="2400" dirty="0" smtClean="0"/>
+          </a:p>
+          <a:p>
+            <a:pPr lvl="1"/>
+            <a:r>
+              <a:rPr lang="de-DE" sz="2400" dirty="0" smtClean="0"/>
+              <a:t>Review </a:t>
+            </a:r>
+            <a:r>
+              <a:rPr lang="de-DE" sz="2400" dirty="0" err="1" smtClean="0"/>
+              <a:t>state</a:t>
+            </a:r>
+            <a:r>
+              <a:rPr lang="de-DE" sz="2400" dirty="0" smtClean="0"/>
+              <a:t> </a:t>
+            </a:r>
+            <a:r>
+              <a:rPr lang="de-DE" sz="2400" dirty="0" err="1"/>
+              <a:t>of</a:t>
+            </a:r>
+            <a:r>
+              <a:rPr lang="de-DE" sz="2400" dirty="0"/>
+              <a:t> </a:t>
+            </a:r>
+            <a:r>
+              <a:rPr lang="de-DE" sz="2400" dirty="0" err="1"/>
+              <a:t>the</a:t>
+            </a:r>
+            <a:r>
+              <a:rPr lang="de-DE" sz="2400" dirty="0"/>
+              <a:t> </a:t>
+            </a:r>
+            <a:r>
+              <a:rPr lang="de-DE" sz="2400" dirty="0" err="1" smtClean="0"/>
+              <a:t>art</a:t>
+            </a:r>
+            <a:endParaRPr lang="de-DE" sz="2400" dirty="0" smtClean="0"/>
+          </a:p>
+          <a:p>
+            <a:pPr lvl="2"/>
+            <a:r>
+              <a:rPr lang="de-DE" sz="2000" dirty="0" smtClean="0"/>
+              <a:t>MI </a:t>
+            </a:r>
+            <a:r>
+              <a:rPr lang="de-DE" sz="2000" dirty="0" err="1" smtClean="0"/>
+              <a:t>Schemes</a:t>
+            </a:r>
+            <a:endParaRPr lang="de-DE" sz="2000" dirty="0" smtClean="0"/>
+          </a:p>
+          <a:p>
+            <a:pPr lvl="2"/>
+            <a:r>
+              <a:rPr lang="de-DE" sz="2000" dirty="0" err="1" smtClean="0"/>
+              <a:t>Terminologies</a:t>
+            </a:r>
+            <a:r>
+              <a:rPr lang="de-DE" sz="2000" dirty="0" smtClean="0"/>
+              <a:t>/</a:t>
+            </a:r>
+            <a:r>
+              <a:rPr lang="de-DE" sz="2000" dirty="0" err="1" smtClean="0"/>
+              <a:t>ontologies</a:t>
+            </a:r>
+            <a:endParaRPr lang="en-US" sz="2000" dirty="0"/>
+          </a:p>
+          <a:p>
+            <a:r>
+              <a:rPr lang="de-DE" sz="2400" dirty="0" err="1" smtClean="0"/>
+              <a:t>Why</a:t>
+            </a:r>
+            <a:r>
+              <a:rPr lang="de-DE" sz="2400" dirty="0" smtClean="0"/>
+              <a:t> </a:t>
+            </a:r>
+            <a:r>
+              <a:rPr lang="de-DE" sz="2400" dirty="0" err="1" smtClean="0"/>
+              <a:t>yet</a:t>
+            </a:r>
+            <a:r>
+              <a:rPr lang="de-DE" sz="2400" dirty="0" smtClean="0"/>
+              <a:t> </a:t>
+            </a:r>
+            <a:r>
+              <a:rPr lang="de-DE" sz="2400" dirty="0" err="1" smtClean="0"/>
+              <a:t>another</a:t>
+            </a:r>
+            <a:r>
+              <a:rPr lang="de-DE" sz="2400" dirty="0" smtClean="0"/>
+              <a:t> </a:t>
+            </a:r>
+            <a:r>
+              <a:rPr lang="de-DE" sz="2400" dirty="0" err="1" smtClean="0"/>
+              <a:t>ontology</a:t>
+            </a:r>
+            <a:r>
+              <a:rPr lang="de-DE" sz="2400" dirty="0" smtClean="0"/>
+              <a:t>?</a:t>
+            </a:r>
+          </a:p>
+          <a:p>
+            <a:r>
+              <a:rPr lang="de-DE" sz="2400" dirty="0" err="1" smtClean="0"/>
+              <a:t>Efforts</a:t>
+            </a:r>
+            <a:r>
+              <a:rPr lang="de-DE" sz="2400" dirty="0" smtClean="0"/>
+              <a:t> </a:t>
+            </a:r>
+            <a:r>
+              <a:rPr lang="de-DE" sz="2400" dirty="0" err="1" smtClean="0"/>
+              <a:t>we</a:t>
+            </a:r>
+            <a:r>
+              <a:rPr lang="de-DE" sz="2400" dirty="0" smtClean="0"/>
+              <a:t> </a:t>
+            </a:r>
+            <a:r>
+              <a:rPr lang="de-DE" sz="2400" dirty="0" err="1" smtClean="0"/>
+              <a:t>can</a:t>
+            </a:r>
+            <a:r>
+              <a:rPr lang="de-DE" sz="2400" dirty="0" smtClean="0"/>
+              <a:t> </a:t>
+            </a:r>
+            <a:r>
+              <a:rPr lang="de-DE" sz="2400" dirty="0" err="1" smtClean="0"/>
+              <a:t>re-use</a:t>
+            </a:r>
+            <a:endParaRPr lang="de-DE" sz="2400" dirty="0" smtClean="0"/>
+          </a:p>
+          <a:p>
+            <a:pPr lvl="1"/>
+            <a:r>
+              <a:rPr lang="de-DE" sz="2400" dirty="0" smtClean="0"/>
+              <a:t>ECO</a:t>
+            </a:r>
+          </a:p>
+          <a:p>
+            <a:r>
+              <a:rPr lang="de-DE" sz="2400" dirty="0" err="1" smtClean="0"/>
+              <a:t>Our</a:t>
+            </a:r>
+            <a:r>
+              <a:rPr lang="de-DE" sz="2400" dirty="0"/>
+              <a:t> </a:t>
+            </a:r>
+            <a:r>
+              <a:rPr lang="de-DE" sz="2400" dirty="0" err="1" smtClean="0"/>
+              <a:t>Use</a:t>
+            </a:r>
+            <a:r>
+              <a:rPr lang="de-DE" sz="2400" dirty="0" smtClean="0"/>
+              <a:t> Case</a:t>
+            </a:r>
+          </a:p>
+          <a:p>
+            <a:r>
+              <a:rPr lang="de-DE" sz="2400" dirty="0" smtClean="0"/>
+              <a:t>Basic MI </a:t>
+            </a:r>
+            <a:r>
+              <a:rPr lang="de-DE" sz="2400" dirty="0" err="1" smtClean="0"/>
+              <a:t>evidence</a:t>
+            </a:r>
+            <a:r>
+              <a:rPr lang="de-DE" sz="2400" dirty="0" smtClean="0"/>
+              <a:t> </a:t>
+            </a:r>
+            <a:r>
+              <a:rPr lang="de-DE" sz="2400" dirty="0" err="1" smtClean="0"/>
+              <a:t>patterns</a:t>
+            </a:r>
+            <a:endParaRPr lang="de-DE" sz="2400" dirty="0" smtClean="0"/>
+          </a:p>
+          <a:p>
+            <a:r>
+              <a:rPr lang="de-DE" sz="2400" dirty="0" smtClean="0"/>
+              <a:t>MIECO </a:t>
+            </a:r>
+            <a:r>
+              <a:rPr lang="de-DE" sz="2400" dirty="0" err="1" smtClean="0"/>
+              <a:t>overview</a:t>
+            </a:r>
+            <a:endParaRPr lang="de-DE" sz="2400" dirty="0" smtClean="0"/>
+          </a:p>
+          <a:p>
+            <a:r>
+              <a:rPr lang="de-DE" sz="2400" dirty="0" smtClean="0"/>
+              <a:t>MIECO </a:t>
+            </a:r>
+            <a:r>
+              <a:rPr lang="de-DE" sz="2400" dirty="0" err="1" smtClean="0"/>
+              <a:t>Use</a:t>
+            </a:r>
+            <a:r>
+              <a:rPr lang="de-DE" sz="2400" dirty="0" smtClean="0"/>
+              <a:t> Case </a:t>
+            </a:r>
+            <a:r>
+              <a:rPr lang="de-DE" sz="2400" dirty="0" err="1" smtClean="0"/>
+              <a:t>Example</a:t>
+            </a:r>
+            <a:endParaRPr lang="de-DE" sz="2400" dirty="0" smtClean="0"/>
+          </a:p>
+          <a:p>
+            <a:endParaRPr lang="de-DE" dirty="0" smtClean="0"/>
+          </a:p>
+          <a:p>
+            <a:endParaRPr lang="de-DE" dirty="0" smtClean="0"/>
+          </a:p>
+          <a:p>
+            <a:endParaRPr lang="de-DE" dirty="0" smtClean="0"/>
+          </a:p>
+        </p:txBody>
+      </p:sp>
+    </p:spTree>
+    <p:extLst>
+      <p:ext uri="{BB962C8B-B14F-4D97-AF65-F5344CB8AC3E}">
+        <p14:creationId xmlns:p14="http://schemas.microsoft.com/office/powerpoint/2010/main" val="2667766365"/>
+      </p:ext>
+    </p:extLst>
+  </p:cSld>
+  <p:clrMapOvr>
+    <a:masterClrMapping/>
+  </p:clrMapOvr>
+</p:sld>
+</file>
+
+<file path=ppt/slides/slide20.xml><?xml version="1.0" encoding="utf-8"?>
 <p:sld xmlns:a="http://schemas.openxmlformats.org/drawingml/2006/main" xmlns:r="http://schemas.openxmlformats.org/officeDocument/2006/relationships" xmlns:p="http://schemas.openxmlformats.org/presentationml/2006/main">
   <p:cSld>
     <p:spTree>
@@ -14285,325 +14818,6 @@
 </p:sld>
 </file>
 
-<file path=ppt/slides/slide2.xml><?xml version="1.0" encoding="utf-8"?>
-<p:sld xmlns:a="http://schemas.openxmlformats.org/drawingml/2006/main" xmlns:r="http://schemas.openxmlformats.org/officeDocument/2006/relationships" xmlns:p="http://schemas.openxmlformats.org/presentationml/2006/main">
-  <p:cSld>
-    <p:spTree>
-      <p:nvGrpSpPr>
-        <p:cNvPr id="1" name=""/>
-        <p:cNvGrpSpPr/>
-        <p:nvPr/>
-      </p:nvGrpSpPr>
-      <p:grpSpPr>
-        <a:xfrm>
-          <a:off x="0" y="0"/>
-          <a:ext cx="0" cy="0"/>
-          <a:chOff x="0" y="0"/>
-          <a:chExt cx="0" cy="0"/>
-        </a:xfrm>
-      </p:grpSpPr>
-      <p:sp>
-        <p:nvSpPr>
-          <p:cNvPr id="2" name="Titel 1"/>
-          <p:cNvSpPr>
-            <a:spLocks noGrp="1"/>
-          </p:cNvSpPr>
-          <p:nvPr>
-            <p:ph type="title"/>
-          </p:nvPr>
-        </p:nvSpPr>
-        <p:spPr/>
-        <p:txBody>
-          <a:bodyPr/>
-          <a:lstStyle/>
-          <a:p>
-            <a:r>
-              <a:rPr lang="de-DE" dirty="0"/>
-              <a:t>C</a:t>
-            </a:r>
-            <a:r>
-              <a:rPr lang="de-DE" dirty="0" smtClean="0"/>
-              <a:t>ontents</a:t>
-            </a:r>
-            <a:endParaRPr lang="en-US" dirty="0"/>
-          </a:p>
-        </p:txBody>
-      </p:sp>
-      <p:sp>
-        <p:nvSpPr>
-          <p:cNvPr id="3" name="Textplatzhalter 2"/>
-          <p:cNvSpPr>
-            <a:spLocks noGrp="1"/>
-          </p:cNvSpPr>
-          <p:nvPr>
-            <p:ph type="body" idx="1"/>
-          </p:nvPr>
-        </p:nvSpPr>
-        <p:spPr/>
-        <p:txBody>
-          <a:bodyPr/>
-          <a:lstStyle/>
-          <a:p>
-            <a:r>
-              <a:rPr lang="de-DE" sz="2400" dirty="0" smtClean="0"/>
-              <a:t>Project </a:t>
-            </a:r>
-            <a:r>
-              <a:rPr lang="de-DE" sz="2400" dirty="0" err="1" smtClean="0"/>
-              <a:t>setting</a:t>
-            </a:r>
-            <a:endParaRPr lang="de-DE" sz="2400" dirty="0" smtClean="0"/>
-          </a:p>
-          <a:p>
-            <a:r>
-              <a:rPr lang="de-DE" sz="2400" dirty="0" err="1" smtClean="0"/>
-              <a:t>Metabolite</a:t>
-            </a:r>
-            <a:r>
-              <a:rPr lang="de-DE" sz="2400" dirty="0" smtClean="0"/>
-              <a:t> </a:t>
-            </a:r>
-            <a:r>
-              <a:rPr lang="de-DE" sz="2400" dirty="0" err="1" smtClean="0"/>
-              <a:t>Identification</a:t>
-            </a:r>
-            <a:r>
-              <a:rPr lang="de-DE" sz="2400" dirty="0" smtClean="0"/>
-              <a:t> </a:t>
-            </a:r>
-            <a:r>
-              <a:rPr lang="de-DE" sz="2400" dirty="0" err="1" smtClean="0"/>
-              <a:t>Schemes</a:t>
-            </a:r>
-            <a:endParaRPr lang="de-DE" sz="2400" dirty="0" smtClean="0"/>
-          </a:p>
-          <a:p>
-            <a:pPr lvl="1"/>
-            <a:r>
-              <a:rPr lang="de-DE" sz="2400" dirty="0" smtClean="0"/>
-              <a:t>Review </a:t>
-            </a:r>
-            <a:r>
-              <a:rPr lang="de-DE" sz="2400" dirty="0" err="1" smtClean="0"/>
-              <a:t>state</a:t>
-            </a:r>
-            <a:r>
-              <a:rPr lang="de-DE" sz="2400" dirty="0" smtClean="0"/>
-              <a:t> </a:t>
-            </a:r>
-            <a:r>
-              <a:rPr lang="de-DE" sz="2400" dirty="0" err="1"/>
-              <a:t>of</a:t>
-            </a:r>
-            <a:r>
-              <a:rPr lang="de-DE" sz="2400" dirty="0"/>
-              <a:t> </a:t>
-            </a:r>
-            <a:r>
-              <a:rPr lang="de-DE" sz="2400" dirty="0" err="1"/>
-              <a:t>the</a:t>
-            </a:r>
-            <a:r>
-              <a:rPr lang="de-DE" sz="2400" dirty="0"/>
-              <a:t> </a:t>
-            </a:r>
-            <a:r>
-              <a:rPr lang="de-DE" sz="2400" dirty="0" err="1" smtClean="0"/>
-              <a:t>art</a:t>
-            </a:r>
-            <a:endParaRPr lang="de-DE" sz="2400" dirty="0" smtClean="0"/>
-          </a:p>
-          <a:p>
-            <a:pPr lvl="2"/>
-            <a:r>
-              <a:rPr lang="de-DE" sz="2000" dirty="0" smtClean="0"/>
-              <a:t>MI </a:t>
-            </a:r>
-            <a:r>
-              <a:rPr lang="de-DE" sz="2000" dirty="0" err="1" smtClean="0"/>
-              <a:t>Schemes</a:t>
-            </a:r>
-            <a:endParaRPr lang="de-DE" sz="2000" dirty="0" smtClean="0"/>
-          </a:p>
-          <a:p>
-            <a:pPr lvl="2"/>
-            <a:r>
-              <a:rPr lang="de-DE" sz="2000" dirty="0" err="1" smtClean="0"/>
-              <a:t>Terminologies</a:t>
-            </a:r>
-            <a:r>
-              <a:rPr lang="de-DE" sz="2000" dirty="0" smtClean="0"/>
-              <a:t>/</a:t>
-            </a:r>
-            <a:r>
-              <a:rPr lang="de-DE" sz="2000" dirty="0" err="1" smtClean="0"/>
-              <a:t>ontologies</a:t>
-            </a:r>
-            <a:endParaRPr lang="en-US" sz="2000" dirty="0"/>
-          </a:p>
-          <a:p>
-            <a:r>
-              <a:rPr lang="de-DE" sz="2400" dirty="0" err="1" smtClean="0"/>
-              <a:t>Why</a:t>
-            </a:r>
-            <a:r>
-              <a:rPr lang="de-DE" sz="2400" dirty="0" smtClean="0"/>
-              <a:t> </a:t>
-            </a:r>
-            <a:r>
-              <a:rPr lang="de-DE" sz="2400" dirty="0" err="1" smtClean="0"/>
-              <a:t>yet</a:t>
-            </a:r>
-            <a:r>
-              <a:rPr lang="de-DE" sz="2400" dirty="0" smtClean="0"/>
-              <a:t> </a:t>
-            </a:r>
-            <a:r>
-              <a:rPr lang="de-DE" sz="2400" dirty="0" err="1" smtClean="0"/>
-              <a:t>another</a:t>
-            </a:r>
-            <a:r>
-              <a:rPr lang="de-DE" sz="2400" dirty="0" smtClean="0"/>
-              <a:t> </a:t>
-            </a:r>
-            <a:r>
-              <a:rPr lang="de-DE" sz="2400" dirty="0" err="1" smtClean="0"/>
-              <a:t>ontology</a:t>
-            </a:r>
-            <a:r>
-              <a:rPr lang="de-DE" sz="2400" dirty="0" smtClean="0"/>
-              <a:t>?</a:t>
-            </a:r>
-          </a:p>
-          <a:p>
-            <a:r>
-              <a:rPr lang="de-DE" sz="2400" dirty="0" err="1" smtClean="0"/>
-              <a:t>Efforts</a:t>
-            </a:r>
-            <a:r>
-              <a:rPr lang="de-DE" sz="2400" dirty="0" smtClean="0"/>
-              <a:t> </a:t>
-            </a:r>
-            <a:r>
-              <a:rPr lang="de-DE" sz="2400" dirty="0" err="1" smtClean="0"/>
-              <a:t>we</a:t>
-            </a:r>
-            <a:r>
-              <a:rPr lang="de-DE" sz="2400" dirty="0" smtClean="0"/>
-              <a:t> </a:t>
-            </a:r>
-            <a:r>
-              <a:rPr lang="de-DE" sz="2400" dirty="0" err="1" smtClean="0"/>
-              <a:t>can</a:t>
-            </a:r>
-            <a:r>
-              <a:rPr lang="de-DE" sz="2400" dirty="0" smtClean="0"/>
-              <a:t> </a:t>
-            </a:r>
-            <a:r>
-              <a:rPr lang="de-DE" sz="2400" dirty="0" err="1" smtClean="0"/>
-              <a:t>re-use</a:t>
-            </a:r>
-            <a:endParaRPr lang="de-DE" sz="2400" dirty="0" smtClean="0"/>
-          </a:p>
-          <a:p>
-            <a:pPr lvl="1"/>
-            <a:r>
-              <a:rPr lang="de-DE" sz="2400" dirty="0" smtClean="0"/>
-              <a:t>ECO</a:t>
-            </a:r>
-          </a:p>
-          <a:p>
-            <a:r>
-              <a:rPr lang="de-DE" sz="2400" dirty="0" err="1" smtClean="0"/>
-              <a:t>Our</a:t>
-            </a:r>
-            <a:r>
-              <a:rPr lang="de-DE" sz="2400" dirty="0"/>
-              <a:t> </a:t>
-            </a:r>
-            <a:r>
-              <a:rPr lang="de-DE" sz="2400" dirty="0" err="1" smtClean="0"/>
-              <a:t>Use</a:t>
-            </a:r>
-            <a:r>
-              <a:rPr lang="de-DE" sz="2400" dirty="0" smtClean="0"/>
-              <a:t> Case</a:t>
-            </a:r>
-          </a:p>
-          <a:p>
-            <a:r>
-              <a:rPr lang="de-DE" sz="2400" dirty="0" smtClean="0"/>
-              <a:t>Basic MI </a:t>
-            </a:r>
-            <a:r>
-              <a:rPr lang="de-DE" sz="2400" dirty="0" err="1" smtClean="0"/>
-              <a:t>evidence</a:t>
-            </a:r>
-            <a:r>
-              <a:rPr lang="de-DE" sz="2400" dirty="0" smtClean="0"/>
-              <a:t> </a:t>
-            </a:r>
-            <a:r>
-              <a:rPr lang="de-DE" sz="2400" dirty="0" err="1" smtClean="0"/>
-              <a:t>patterns</a:t>
-            </a:r>
-            <a:endParaRPr lang="de-DE" sz="2400" dirty="0" smtClean="0"/>
-          </a:p>
-          <a:p>
-            <a:r>
-              <a:rPr lang="de-DE" sz="2400" dirty="0" smtClean="0"/>
-              <a:t>MIECO </a:t>
-            </a:r>
-            <a:r>
-              <a:rPr lang="de-DE" sz="2400" dirty="0" err="1" smtClean="0"/>
-              <a:t>overview</a:t>
-            </a:r>
-            <a:endParaRPr lang="de-DE" sz="2400" dirty="0" smtClean="0"/>
-          </a:p>
-          <a:p>
-            <a:r>
-              <a:rPr lang="de-DE" sz="2400" dirty="0" smtClean="0"/>
-              <a:t>MIECO </a:t>
-            </a:r>
-            <a:r>
-              <a:rPr lang="de-DE" sz="2400" dirty="0" err="1" smtClean="0"/>
-              <a:t>Use</a:t>
-            </a:r>
-            <a:r>
-              <a:rPr lang="de-DE" sz="2400" dirty="0" smtClean="0"/>
-              <a:t> Case </a:t>
-            </a:r>
-            <a:r>
-              <a:rPr lang="de-DE" sz="2400" dirty="0" err="1" smtClean="0"/>
-              <a:t>Example</a:t>
-            </a:r>
-            <a:endParaRPr lang="de-DE" sz="2400" dirty="0" smtClean="0"/>
-          </a:p>
-          <a:p>
-            <a:endParaRPr lang="de-DE" dirty="0" smtClean="0"/>
-          </a:p>
-          <a:p>
-            <a:endParaRPr lang="de-DE" dirty="0" smtClean="0"/>
-          </a:p>
-          <a:p>
-            <a:endParaRPr lang="de-DE" dirty="0" smtClean="0"/>
-          </a:p>
-        </p:txBody>
-      </p:sp>
-    </p:spTree>
-    <p:extLst>
-      <p:ext uri="{BB962C8B-B14F-4D97-AF65-F5344CB8AC3E}">
-        <p14:creationId xmlns:p14="http://schemas.microsoft.com/office/powerpoint/2010/main" val="2667766365"/>
-      </p:ext>
-    </p:extLst>
-  </p:cSld>
-  <p:clrMapOvr>
-    <a:masterClrMapping/>
-  </p:clrMapOvr>
-</p:sld>
-</file>
-
 <file path=ppt/slides/slide3.xml><?xml version="1.0" encoding="utf-8"?>
 <p:sld xmlns:a="http://schemas.openxmlformats.org/drawingml/2006/main" xmlns:r="http://schemas.openxmlformats.org/officeDocument/2006/relationships" xmlns:p="http://schemas.openxmlformats.org/presentationml/2006/main">
   <p:cSld>
@@ -14642,7 +14856,7 @@
             </a:r>
             <a:r>
               <a:rPr lang="de-DE" dirty="0" err="1" smtClean="0"/>
-              <a:t>context</a:t>
+              <a:t>environment</a:t>
             </a:r>
             <a:endParaRPr lang="en-US" dirty="0"/>
           </a:p>
